--- a/Prezentacja.pptx
+++ b/Prezentacja.pptx
@@ -110,6 +110,11 @@
       </a:defRPr>
     </a:lvl9pPr>
   </p:defaultTextStyle>
+  <p:extLst>
+    <p:ext uri="{EFAFB233-063F-42B5-8137-9DF3F51BA10A}">
+      <p15:sldGuideLst xmlns:p15="http://schemas.microsoft.com/office/powerpoint/2012/main"/>
+    </p:ext>
+  </p:extLst>
 </p:presentation>
 </file>
 
@@ -327,7 +332,7 @@
             <a:fld id="{B61BEF0D-F0BB-DE4B-95CE-6DB70DBA9567}" type="datetimeFigureOut">
               <a:rPr lang="en-US" smtClean="0"/>
               <a:pPr/>
-              <a:t>12/7/2016</a:t>
+              <a:t>12/8/2016</a:t>
             </a:fld>
             <a:endParaRPr lang="en-US" dirty="0"/>
           </a:p>
@@ -386,13 +391,13 @@
   <p:clrMapOvr>
     <a:masterClrMapping/>
   </p:clrMapOvr>
-  <mc:AlternateContent xmlns:mc="http://schemas.openxmlformats.org/markup-compatibility/2006">
-    <mc:Choice xmlns:p14="http://schemas.microsoft.com/office/powerpoint/2010/main" Requires="p14">
+  <mc:AlternateContent xmlns:mc="http://schemas.openxmlformats.org/markup-compatibility/2006" xmlns:p14="http://schemas.microsoft.com/office/powerpoint/2010/main">
+    <mc:Choice Requires="p14">
       <p:transition spd="med" p14:dur="700">
         <p:fade/>
       </p:transition>
     </mc:Choice>
-    <mc:Fallback>
+    <mc:Fallback xmlns="">
       <p:transition spd="med">
         <p:fade/>
       </p:transition>
@@ -632,7 +637,7 @@
             <a:fld id="{B61BEF0D-F0BB-DE4B-95CE-6DB70DBA9567}" type="datetimeFigureOut">
               <a:rPr lang="en-US" smtClean="0"/>
               <a:pPr/>
-              <a:t>12/7/2016</a:t>
+              <a:t>12/8/2016</a:t>
             </a:fld>
             <a:endParaRPr lang="en-US" dirty="0"/>
           </a:p>
@@ -696,13 +701,13 @@
   <p:clrMapOvr>
     <a:masterClrMapping/>
   </p:clrMapOvr>
-  <mc:AlternateContent xmlns:mc="http://schemas.openxmlformats.org/markup-compatibility/2006">
-    <mc:Choice xmlns:p14="http://schemas.microsoft.com/office/powerpoint/2010/main" Requires="p14">
+  <mc:AlternateContent xmlns:mc="http://schemas.openxmlformats.org/markup-compatibility/2006" xmlns:p14="http://schemas.microsoft.com/office/powerpoint/2010/main">
+    <mc:Choice Requires="p14">
       <p:transition spd="med" p14:dur="700">
         <p:fade/>
       </p:transition>
     </mc:Choice>
-    <mc:Fallback>
+    <mc:Fallback xmlns="">
       <p:transition spd="med">
         <p:fade/>
       </p:transition>
@@ -910,7 +915,7 @@
             <a:fld id="{B61BEF0D-F0BB-DE4B-95CE-6DB70DBA9567}" type="datetimeFigureOut">
               <a:rPr lang="en-US" smtClean="0"/>
               <a:pPr/>
-              <a:t>12/7/2016</a:t>
+              <a:t>12/8/2016</a:t>
             </a:fld>
             <a:endParaRPr lang="en-US" dirty="0"/>
           </a:p>
@@ -969,13 +974,13 @@
   <p:clrMapOvr>
     <a:masterClrMapping/>
   </p:clrMapOvr>
-  <mc:AlternateContent xmlns:mc="http://schemas.openxmlformats.org/markup-compatibility/2006">
-    <mc:Choice xmlns:p14="http://schemas.microsoft.com/office/powerpoint/2010/main" Requires="p14">
+  <mc:AlternateContent xmlns:mc="http://schemas.openxmlformats.org/markup-compatibility/2006" xmlns:p14="http://schemas.microsoft.com/office/powerpoint/2010/main">
+    <mc:Choice Requires="p14">
       <p:transition spd="med" p14:dur="700">
         <p:fade/>
       </p:transition>
     </mc:Choice>
-    <mc:Fallback>
+    <mc:Fallback xmlns="">
       <p:transition spd="med">
         <p:fade/>
       </p:transition>
@@ -1484,7 +1489,7 @@
             <a:fld id="{B61BEF0D-F0BB-DE4B-95CE-6DB70DBA9567}" type="datetimeFigureOut">
               <a:rPr lang="en-US" smtClean="0"/>
               <a:pPr/>
-              <a:t>12/7/2016</a:t>
+              <a:t>12/8/2016</a:t>
             </a:fld>
             <a:endParaRPr lang="en-US" dirty="0"/>
           </a:p>
@@ -1543,13 +1548,13 @@
   <p:clrMapOvr>
     <a:masterClrMapping/>
   </p:clrMapOvr>
-  <mc:AlternateContent xmlns:mc="http://schemas.openxmlformats.org/markup-compatibility/2006">
-    <mc:Choice xmlns:p14="http://schemas.microsoft.com/office/powerpoint/2010/main" Requires="p14">
+  <mc:AlternateContent xmlns:mc="http://schemas.openxmlformats.org/markup-compatibility/2006" xmlns:p14="http://schemas.microsoft.com/office/powerpoint/2010/main">
+    <mc:Choice Requires="p14">
       <p:transition spd="med" p14:dur="700">
         <p:fade/>
       </p:transition>
     </mc:Choice>
-    <mc:Fallback>
+    <mc:Fallback xmlns="">
       <p:transition spd="med">
         <p:fade/>
       </p:transition>
@@ -1757,7 +1762,7 @@
             <a:fld id="{B61BEF0D-F0BB-DE4B-95CE-6DB70DBA9567}" type="datetimeFigureOut">
               <a:rPr lang="en-US" smtClean="0"/>
               <a:pPr/>
-              <a:t>12/7/2016</a:t>
+              <a:t>12/8/2016</a:t>
             </a:fld>
             <a:endParaRPr lang="en-US" dirty="0"/>
           </a:p>
@@ -1816,13 +1821,13 @@
   <p:clrMapOvr>
     <a:masterClrMapping/>
   </p:clrMapOvr>
-  <mc:AlternateContent xmlns:mc="http://schemas.openxmlformats.org/markup-compatibility/2006">
-    <mc:Choice xmlns:p14="http://schemas.microsoft.com/office/powerpoint/2010/main" Requires="p14">
+  <mc:AlternateContent xmlns:mc="http://schemas.openxmlformats.org/markup-compatibility/2006" xmlns:p14="http://schemas.microsoft.com/office/powerpoint/2010/main">
+    <mc:Choice Requires="p14">
       <p:transition spd="med" p14:dur="700">
         <p:fade/>
       </p:transition>
     </mc:Choice>
-    <mc:Fallback>
+    <mc:Fallback xmlns="">
       <p:transition spd="med">
         <p:fade/>
       </p:transition>
@@ -2347,7 +2352,7 @@
             <a:fld id="{B61BEF0D-F0BB-DE4B-95CE-6DB70DBA9567}" type="datetimeFigureOut">
               <a:rPr lang="en-US" smtClean="0"/>
               <a:pPr/>
-              <a:t>12/7/2016</a:t>
+              <a:t>12/8/2016</a:t>
             </a:fld>
             <a:endParaRPr lang="en-US" dirty="0"/>
           </a:p>
@@ -2406,13 +2411,13 @@
   <p:clrMapOvr>
     <a:masterClrMapping/>
   </p:clrMapOvr>
-  <mc:AlternateContent xmlns:mc="http://schemas.openxmlformats.org/markup-compatibility/2006">
-    <mc:Choice xmlns:p14="http://schemas.microsoft.com/office/powerpoint/2010/main" Requires="p14">
+  <mc:AlternateContent xmlns:mc="http://schemas.openxmlformats.org/markup-compatibility/2006" xmlns:p14="http://schemas.microsoft.com/office/powerpoint/2010/main">
+    <mc:Choice Requires="p14">
       <p:transition spd="med" p14:dur="700">
         <p:fade/>
       </p:transition>
     </mc:Choice>
-    <mc:Fallback>
+    <mc:Fallback xmlns="">
       <p:transition spd="med">
         <p:fade/>
       </p:transition>
@@ -2693,7 +2698,7 @@
             <a:fld id="{B61BEF0D-F0BB-DE4B-95CE-6DB70DBA9567}" type="datetimeFigureOut">
               <a:rPr lang="en-US" smtClean="0"/>
               <a:pPr/>
-              <a:t>12/7/2016</a:t>
+              <a:t>12/8/2016</a:t>
             </a:fld>
             <a:endParaRPr lang="en-US" dirty="0"/>
           </a:p>
@@ -2752,13 +2757,13 @@
   <p:clrMapOvr>
     <a:masterClrMapping/>
   </p:clrMapOvr>
-  <mc:AlternateContent xmlns:mc="http://schemas.openxmlformats.org/markup-compatibility/2006">
-    <mc:Choice xmlns:p14="http://schemas.microsoft.com/office/powerpoint/2010/main" Requires="p14">
+  <mc:AlternateContent xmlns:mc="http://schemas.openxmlformats.org/markup-compatibility/2006" xmlns:p14="http://schemas.microsoft.com/office/powerpoint/2010/main">
+    <mc:Choice Requires="p14">
       <p:transition spd="med" p14:dur="700">
         <p:fade/>
       </p:transition>
     </mc:Choice>
-    <mc:Fallback>
+    <mc:Fallback xmlns="">
       <p:transition spd="med">
         <p:fade/>
       </p:transition>
@@ -2882,7 +2887,7 @@
             <a:fld id="{B61BEF0D-F0BB-DE4B-95CE-6DB70DBA9567}" type="datetimeFigureOut">
               <a:rPr lang="en-US" smtClean="0"/>
               <a:pPr/>
-              <a:t>12/7/2016</a:t>
+              <a:t>12/8/2016</a:t>
             </a:fld>
             <a:endParaRPr lang="en-US" dirty="0"/>
           </a:p>
@@ -2941,13 +2946,13 @@
   <p:clrMapOvr>
     <a:masterClrMapping/>
   </p:clrMapOvr>
-  <mc:AlternateContent xmlns:mc="http://schemas.openxmlformats.org/markup-compatibility/2006">
-    <mc:Choice xmlns:p14="http://schemas.microsoft.com/office/powerpoint/2010/main" Requires="p14">
+  <mc:AlternateContent xmlns:mc="http://schemas.openxmlformats.org/markup-compatibility/2006" xmlns:p14="http://schemas.microsoft.com/office/powerpoint/2010/main">
+    <mc:Choice Requires="p14">
       <p:transition spd="med" p14:dur="700">
         <p:fade/>
       </p:transition>
     </mc:Choice>
-    <mc:Fallback>
+    <mc:Fallback xmlns="">
       <p:transition spd="med">
         <p:fade/>
       </p:transition>
@@ -3076,7 +3081,7 @@
             <a:fld id="{B61BEF0D-F0BB-DE4B-95CE-6DB70DBA9567}" type="datetimeFigureOut">
               <a:rPr lang="en-US" smtClean="0"/>
               <a:pPr/>
-              <a:t>12/7/2016</a:t>
+              <a:t>12/8/2016</a:t>
             </a:fld>
             <a:endParaRPr lang="en-US" dirty="0"/>
           </a:p>
@@ -3135,13 +3140,13 @@
   <p:clrMapOvr>
     <a:masterClrMapping/>
   </p:clrMapOvr>
-  <mc:AlternateContent xmlns:mc="http://schemas.openxmlformats.org/markup-compatibility/2006">
-    <mc:Choice xmlns:p14="http://schemas.microsoft.com/office/powerpoint/2010/main" Requires="p14">
+  <mc:AlternateContent xmlns:mc="http://schemas.openxmlformats.org/markup-compatibility/2006" xmlns:p14="http://schemas.microsoft.com/office/powerpoint/2010/main">
+    <mc:Choice Requires="p14">
       <p:transition spd="med" p14:dur="700">
         <p:fade/>
       </p:transition>
     </mc:Choice>
-    <mc:Fallback>
+    <mc:Fallback xmlns="">
       <p:transition spd="med">
         <p:fade/>
       </p:transition>
@@ -3260,7 +3265,7 @@
             <a:fld id="{B61BEF0D-F0BB-DE4B-95CE-6DB70DBA9567}" type="datetimeFigureOut">
               <a:rPr lang="en-US" smtClean="0"/>
               <a:pPr/>
-              <a:t>12/7/2016</a:t>
+              <a:t>12/8/2016</a:t>
             </a:fld>
             <a:endParaRPr lang="en-US" dirty="0"/>
           </a:p>
@@ -3319,13 +3324,13 @@
   <p:clrMapOvr>
     <a:masterClrMapping/>
   </p:clrMapOvr>
-  <mc:AlternateContent xmlns:mc="http://schemas.openxmlformats.org/markup-compatibility/2006">
-    <mc:Choice xmlns:p14="http://schemas.microsoft.com/office/powerpoint/2010/main" Requires="p14">
+  <mc:AlternateContent xmlns:mc="http://schemas.openxmlformats.org/markup-compatibility/2006" xmlns:p14="http://schemas.microsoft.com/office/powerpoint/2010/main">
+    <mc:Choice Requires="p14">
       <p:transition spd="med" p14:dur="700">
         <p:fade/>
       </p:transition>
     </mc:Choice>
-    <mc:Fallback>
+    <mc:Fallback xmlns="">
       <p:transition spd="med">
         <p:fade/>
       </p:transition>
@@ -3533,7 +3538,7 @@
             <a:fld id="{B61BEF0D-F0BB-DE4B-95CE-6DB70DBA9567}" type="datetimeFigureOut">
               <a:rPr lang="en-US" smtClean="0"/>
               <a:pPr/>
-              <a:t>12/7/2016</a:t>
+              <a:t>12/8/2016</a:t>
             </a:fld>
             <a:endParaRPr lang="en-US" dirty="0"/>
           </a:p>
@@ -3592,13 +3597,13 @@
   <p:clrMapOvr>
     <a:masterClrMapping/>
   </p:clrMapOvr>
-  <mc:AlternateContent xmlns:mc="http://schemas.openxmlformats.org/markup-compatibility/2006">
-    <mc:Choice xmlns:p14="http://schemas.microsoft.com/office/powerpoint/2010/main" Requires="p14">
+  <mc:AlternateContent xmlns:mc="http://schemas.openxmlformats.org/markup-compatibility/2006" xmlns:p14="http://schemas.microsoft.com/office/powerpoint/2010/main">
+    <mc:Choice Requires="p14">
       <p:transition spd="med" p14:dur="700">
         <p:fade/>
       </p:transition>
     </mc:Choice>
-    <mc:Fallback>
+    <mc:Fallback xmlns="">
       <p:transition spd="med">
         <p:fade/>
       </p:transition>
@@ -3839,7 +3844,7 @@
             <a:fld id="{B61BEF0D-F0BB-DE4B-95CE-6DB70DBA9567}" type="datetimeFigureOut">
               <a:rPr lang="en-US" smtClean="0"/>
               <a:pPr/>
-              <a:t>12/7/2016</a:t>
+              <a:t>12/8/2016</a:t>
             </a:fld>
             <a:endParaRPr lang="en-US" dirty="0"/>
           </a:p>
@@ -3898,13 +3903,13 @@
   <p:clrMapOvr>
     <a:masterClrMapping/>
   </p:clrMapOvr>
-  <mc:AlternateContent xmlns:mc="http://schemas.openxmlformats.org/markup-compatibility/2006">
-    <mc:Choice xmlns:p14="http://schemas.microsoft.com/office/powerpoint/2010/main" Requires="p14">
+  <mc:AlternateContent xmlns:mc="http://schemas.openxmlformats.org/markup-compatibility/2006" xmlns:p14="http://schemas.microsoft.com/office/powerpoint/2010/main">
+    <mc:Choice Requires="p14">
       <p:transition spd="med" p14:dur="700">
         <p:fade/>
       </p:transition>
     </mc:Choice>
-    <mc:Fallback>
+    <mc:Fallback xmlns="">
       <p:transition spd="med">
         <p:fade/>
       </p:transition>
@@ -4283,7 +4288,7 @@
             <a:fld id="{B61BEF0D-F0BB-DE4B-95CE-6DB70DBA9567}" type="datetimeFigureOut">
               <a:rPr lang="en-US" smtClean="0"/>
               <a:pPr/>
-              <a:t>12/7/2016</a:t>
+              <a:t>12/8/2016</a:t>
             </a:fld>
             <a:endParaRPr lang="en-US" dirty="0"/>
           </a:p>
@@ -4342,13 +4347,13 @@
   <p:clrMapOvr>
     <a:masterClrMapping/>
   </p:clrMapOvr>
-  <mc:AlternateContent xmlns:mc="http://schemas.openxmlformats.org/markup-compatibility/2006">
-    <mc:Choice xmlns:p14="http://schemas.microsoft.com/office/powerpoint/2010/main" Requires="p14">
+  <mc:AlternateContent xmlns:mc="http://schemas.openxmlformats.org/markup-compatibility/2006" xmlns:p14="http://schemas.microsoft.com/office/powerpoint/2010/main">
+    <mc:Choice Requires="p14">
       <p:transition spd="med" p14:dur="700">
         <p:fade/>
       </p:transition>
     </mc:Choice>
-    <mc:Fallback>
+    <mc:Fallback xmlns="">
       <p:transition spd="med">
         <p:fade/>
       </p:transition>
@@ -4421,7 +4426,7 @@
             <a:fld id="{B61BEF0D-F0BB-DE4B-95CE-6DB70DBA9567}" type="datetimeFigureOut">
               <a:rPr lang="en-US" smtClean="0"/>
               <a:pPr/>
-              <a:t>12/7/2016</a:t>
+              <a:t>12/8/2016</a:t>
             </a:fld>
             <a:endParaRPr lang="en-US" dirty="0"/>
           </a:p>
@@ -4480,13 +4485,13 @@
   <p:clrMapOvr>
     <a:masterClrMapping/>
   </p:clrMapOvr>
-  <mc:AlternateContent xmlns:mc="http://schemas.openxmlformats.org/markup-compatibility/2006">
-    <mc:Choice xmlns:p14="http://schemas.microsoft.com/office/powerpoint/2010/main" Requires="p14">
+  <mc:AlternateContent xmlns:mc="http://schemas.openxmlformats.org/markup-compatibility/2006" xmlns:p14="http://schemas.microsoft.com/office/powerpoint/2010/main">
+    <mc:Choice Requires="p14">
       <p:transition spd="med" p14:dur="700">
         <p:fade/>
       </p:transition>
     </mc:Choice>
-    <mc:Fallback>
+    <mc:Fallback xmlns="">
       <p:transition spd="med">
         <p:fade/>
       </p:transition>
@@ -4530,7 +4535,7 @@
             <a:fld id="{B61BEF0D-F0BB-DE4B-95CE-6DB70DBA9567}" type="datetimeFigureOut">
               <a:rPr lang="en-US" smtClean="0"/>
               <a:pPr/>
-              <a:t>12/7/2016</a:t>
+              <a:t>12/8/2016</a:t>
             </a:fld>
             <a:endParaRPr lang="en-US" dirty="0"/>
           </a:p>
@@ -4589,13 +4594,13 @@
   <p:clrMapOvr>
     <a:masterClrMapping/>
   </p:clrMapOvr>
-  <mc:AlternateContent xmlns:mc="http://schemas.openxmlformats.org/markup-compatibility/2006">
-    <mc:Choice xmlns:p14="http://schemas.microsoft.com/office/powerpoint/2010/main" Requires="p14">
+  <mc:AlternateContent xmlns:mc="http://schemas.openxmlformats.org/markup-compatibility/2006" xmlns:p14="http://schemas.microsoft.com/office/powerpoint/2010/main">
+    <mc:Choice Requires="p14">
       <p:transition spd="med" p14:dur="700">
         <p:fade/>
       </p:transition>
     </mc:Choice>
-    <mc:Fallback>
+    <mc:Fallback xmlns="">
       <p:transition spd="med">
         <p:fade/>
       </p:transition>
@@ -4827,7 +4832,7 @@
             <a:fld id="{B61BEF0D-F0BB-DE4B-95CE-6DB70DBA9567}" type="datetimeFigureOut">
               <a:rPr lang="en-US" smtClean="0"/>
               <a:pPr/>
-              <a:t>12/7/2016</a:t>
+              <a:t>12/8/2016</a:t>
             </a:fld>
             <a:endParaRPr lang="en-US" dirty="0"/>
           </a:p>
@@ -4886,13 +4891,13 @@
   <p:clrMapOvr>
     <a:masterClrMapping/>
   </p:clrMapOvr>
-  <mc:AlternateContent xmlns:mc="http://schemas.openxmlformats.org/markup-compatibility/2006">
-    <mc:Choice xmlns:p14="http://schemas.microsoft.com/office/powerpoint/2010/main" Requires="p14">
+  <mc:AlternateContent xmlns:mc="http://schemas.openxmlformats.org/markup-compatibility/2006" xmlns:p14="http://schemas.microsoft.com/office/powerpoint/2010/main">
+    <mc:Choice Requires="p14">
       <p:transition spd="med" p14:dur="700">
         <p:fade/>
       </p:transition>
     </mc:Choice>
-    <mc:Fallback>
+    <mc:Fallback xmlns="">
       <p:transition spd="med">
         <p:fade/>
       </p:transition>
@@ -5132,7 +5137,7 @@
             <a:fld id="{B61BEF0D-F0BB-DE4B-95CE-6DB70DBA9567}" type="datetimeFigureOut">
               <a:rPr lang="en-US" smtClean="0"/>
               <a:pPr/>
-              <a:t>12/7/2016</a:t>
+              <a:t>12/8/2016</a:t>
             </a:fld>
             <a:endParaRPr lang="en-US" dirty="0"/>
           </a:p>
@@ -5201,13 +5206,13 @@
   <p:clrMapOvr>
     <a:masterClrMapping/>
   </p:clrMapOvr>
-  <mc:AlternateContent xmlns:mc="http://schemas.openxmlformats.org/markup-compatibility/2006">
-    <mc:Choice xmlns:p14="http://schemas.microsoft.com/office/powerpoint/2010/main" Requires="p14">
+  <mc:AlternateContent xmlns:mc="http://schemas.openxmlformats.org/markup-compatibility/2006" xmlns:p14="http://schemas.microsoft.com/office/powerpoint/2010/main">
+    <mc:Choice Requires="p14">
       <p:transition spd="med" p14:dur="700">
         <p:fade/>
       </p:transition>
     </mc:Choice>
-    <mc:Fallback>
+    <mc:Fallback xmlns="">
       <p:transition spd="med">
         <p:fade/>
       </p:transition>
@@ -5377,7 +5382,7 @@
             <a:fld id="{B61BEF0D-F0BB-DE4B-95CE-6DB70DBA9567}" type="datetimeFigureOut">
               <a:rPr lang="en-US" smtClean="0"/>
               <a:pPr/>
-              <a:t>12/7/2016</a:t>
+              <a:t>12/8/2016</a:t>
             </a:fld>
             <a:endParaRPr lang="en-US" dirty="0"/>
           </a:p>
@@ -5505,13 +5510,13 @@
     <p:sldLayoutId id="2147483684" r:id="rId16"/>
     <p:sldLayoutId id="2147483685" r:id="rId17"/>
   </p:sldLayoutIdLst>
-  <mc:AlternateContent xmlns:mc="http://schemas.openxmlformats.org/markup-compatibility/2006">
-    <mc:Choice xmlns:p14="http://schemas.microsoft.com/office/powerpoint/2010/main" Requires="p14">
+  <mc:AlternateContent xmlns:mc="http://schemas.openxmlformats.org/markup-compatibility/2006" xmlns:p14="http://schemas.microsoft.com/office/powerpoint/2010/main">
+    <mc:Choice Requires="p14">
       <p:transition spd="med" p14:dur="700">
         <p:fade/>
       </p:transition>
     </mc:Choice>
-    <mc:Fallback>
+    <mc:Fallback xmlns="">
       <p:transition spd="med">
         <p:fade/>
       </p:transition>
@@ -6215,11 +6220,11 @@
           <a:p>
             <a:r>
               <a:rPr lang="pl-PL" dirty="0"/>
-              <a:t>Adrian Frydmański, Bogdan </a:t>
+              <a:t>Adrian Frydmański, Bohdan </a:t>
             </a:r>
             <a:r>
               <a:rPr lang="pl-PL" dirty="0" err="1"/>
-              <a:t>Jaminski</a:t>
+              <a:t>yaminskyy</a:t>
             </a:r>
             <a:endParaRPr lang="pl-PL" dirty="0"/>
           </a:p>
@@ -6259,13 +6264,13 @@
   <p:clrMapOvr>
     <a:masterClrMapping/>
   </p:clrMapOvr>
-  <mc:AlternateContent xmlns:mc="http://schemas.openxmlformats.org/markup-compatibility/2006">
-    <mc:Choice xmlns:p14="http://schemas.microsoft.com/office/powerpoint/2010/main" Requires="p14">
+  <mc:AlternateContent xmlns:mc="http://schemas.openxmlformats.org/markup-compatibility/2006" xmlns:p14="http://schemas.microsoft.com/office/powerpoint/2010/main">
+    <mc:Choice Requires="p14">
       <p:transition spd="med" p14:dur="700">
         <p:fade/>
       </p:transition>
     </mc:Choice>
-    <mc:Fallback>
+    <mc:Fallback xmlns="">
       <p:transition spd="med">
         <p:fade/>
       </p:transition>
@@ -6610,13 +6615,13 @@
   <p:clrMapOvr>
     <a:masterClrMapping/>
   </p:clrMapOvr>
-  <mc:AlternateContent xmlns:mc="http://schemas.openxmlformats.org/markup-compatibility/2006">
-    <mc:Choice xmlns:p14="http://schemas.microsoft.com/office/powerpoint/2010/main" Requires="p14">
+  <mc:AlternateContent xmlns:mc="http://schemas.openxmlformats.org/markup-compatibility/2006" xmlns:p14="http://schemas.microsoft.com/office/powerpoint/2010/main">
+    <mc:Choice Requires="p14">
       <p:transition spd="med" p14:dur="700">
         <p:fade/>
       </p:transition>
     </mc:Choice>
-    <mc:Fallback>
+    <mc:Fallback xmlns="">
       <p:transition spd="med">
         <p:fade/>
       </p:transition>
@@ -6933,6 +6938,19 @@
           <a:lstStyle/>
           <a:p>
             <a:r>
+              <a:rPr lang="pl-PL" dirty="0" err="1"/>
+              <a:t>Flask</a:t>
+            </a:r>
+            <a:endParaRPr lang="pl-PL" dirty="0"/>
+          </a:p>
+          <a:p>
+            <a:r>
+              <a:rPr lang="pl-PL" dirty="0"/>
+              <a:t>HTML + CSS + jQuery</a:t>
+            </a:r>
+          </a:p>
+          <a:p>
+            <a:r>
               <a:rPr lang="pl-PL" dirty="0">
                 <a:effectLst/>
               </a:rPr>
@@ -6953,24 +6971,20 @@
           </a:p>
           <a:p>
             <a:r>
-              <a:rPr lang="pl-PL" dirty="0">
+              <a:rPr lang="pl-PL">
                 <a:effectLst/>
               </a:rPr>
-              <a:t>Zewnętrzne źródło zasilania serw</a:t>
-            </a:r>
-          </a:p>
-          <a:p>
-            <a:r>
-              <a:rPr lang="pl-PL" dirty="0" err="1"/>
-              <a:t>Flask</a:t>
-            </a:r>
-            <a:endParaRPr lang="pl-PL" dirty="0"/>
-          </a:p>
-          <a:p>
-            <a:r>
-              <a:rPr lang="pl-PL" dirty="0"/>
-              <a:t>HTML + CSS + jQuery</a:t>
-            </a:r>
+              <a:t>Zewnętrzne źródło </a:t>
+            </a:r>
+            <a:r>
+              <a:rPr lang="pl-PL">
+                <a:effectLst/>
+              </a:rPr>
+              <a:t>zasilania serw</a:t>
+            </a:r>
+            <a:endParaRPr lang="pl-PL">
+              <a:effectLst/>
+            </a:endParaRPr>
           </a:p>
         </p:txBody>
       </p:sp>
@@ -7043,13 +7057,13 @@
   <p:clrMapOvr>
     <a:masterClrMapping/>
   </p:clrMapOvr>
-  <mc:AlternateContent xmlns:mc="http://schemas.openxmlformats.org/markup-compatibility/2006">
-    <mc:Choice xmlns:p14="http://schemas.microsoft.com/office/powerpoint/2010/main" Requires="p14">
+  <mc:AlternateContent xmlns:mc="http://schemas.openxmlformats.org/markup-compatibility/2006" xmlns:p14="http://schemas.microsoft.com/office/powerpoint/2010/main">
+    <mc:Choice Requires="p14">
       <p:transition spd="med" p14:dur="700">
         <p:fade/>
       </p:transition>
     </mc:Choice>
-    <mc:Fallback>
+    <mc:Fallback xmlns="">
       <p:transition spd="med">
         <p:fade/>
       </p:transition>
@@ -7176,21 +7190,30 @@
                             </p:childTnLst>
                           </p:cTn>
                         </p:par>
+                      </p:childTnLst>
+                    </p:cTn>
+                  </p:par>
+                  <p:par>
+                    <p:cTn id="12" fill="hold">
+                      <p:stCondLst>
+                        <p:cond delay="indefinite"/>
+                      </p:stCondLst>
+                      <p:childTnLst>
                         <p:par>
-                          <p:cTn id="12" fill="hold">
+                          <p:cTn id="13" fill="hold">
                             <p:stCondLst>
-                              <p:cond delay="1000"/>
+                              <p:cond delay="0"/>
                             </p:stCondLst>
                             <p:childTnLst>
                               <p:par>
-                                <p:cTn id="13" presetID="10" presetClass="entr" presetSubtype="0" fill="hold" grpId="0" nodeType="afterEffect">
+                                <p:cTn id="14" presetID="10" presetClass="entr" presetSubtype="0" fill="hold" grpId="0" nodeType="clickEffect">
                                   <p:stCondLst>
                                     <p:cond delay="0"/>
                                   </p:stCondLst>
                                   <p:childTnLst>
                                     <p:set>
                                       <p:cBhvr>
-                                        <p:cTn id="14" dur="1" fill="hold">
+                                        <p:cTn id="15" dur="1" fill="hold">
                                           <p:stCondLst>
                                             <p:cond delay="0"/>
                                           </p:stCondLst>
@@ -7212,7 +7235,7 @@
                                     </p:set>
                                     <p:animEffect transition="in" filter="fade">
                                       <p:cBhvr>
-                                        <p:cTn id="15" dur="500"/>
+                                        <p:cTn id="16" dur="500"/>
                                         <p:tgtEl>
                                           <p:spTgt spid="3">
                                             <p:txEl>
@@ -7228,21 +7251,30 @@
                             </p:childTnLst>
                           </p:cTn>
                         </p:par>
+                      </p:childTnLst>
+                    </p:cTn>
+                  </p:par>
+                  <p:par>
+                    <p:cTn id="17" fill="hold">
+                      <p:stCondLst>
+                        <p:cond delay="indefinite"/>
+                      </p:stCondLst>
+                      <p:childTnLst>
                         <p:par>
-                          <p:cTn id="16" fill="hold">
+                          <p:cTn id="18" fill="hold">
                             <p:stCondLst>
-                              <p:cond delay="1500"/>
+                              <p:cond delay="0"/>
                             </p:stCondLst>
                             <p:childTnLst>
                               <p:par>
-                                <p:cTn id="17" presetID="10" presetClass="entr" presetSubtype="0" fill="hold" grpId="0" nodeType="afterEffect">
+                                <p:cTn id="19" presetID="10" presetClass="entr" presetSubtype="0" fill="hold" grpId="0" nodeType="clickEffect">
                                   <p:stCondLst>
                                     <p:cond delay="0"/>
                                   </p:stCondLst>
                                   <p:childTnLst>
                                     <p:set>
                                       <p:cBhvr>
-                                        <p:cTn id="18" dur="1" fill="hold">
+                                        <p:cTn id="20" dur="1" fill="hold">
                                           <p:stCondLst>
                                             <p:cond delay="0"/>
                                           </p:stCondLst>
@@ -7264,7 +7296,7 @@
                                     </p:set>
                                     <p:animEffect transition="in" filter="fade">
                                       <p:cBhvr>
-                                        <p:cTn id="19" dur="500"/>
+                                        <p:cTn id="21" dur="500"/>
                                         <p:tgtEl>
                                           <p:spTgt spid="3">
                                             <p:txEl>
@@ -7281,20 +7313,20 @@
                           </p:cTn>
                         </p:par>
                         <p:par>
-                          <p:cTn id="20" fill="hold">
+                          <p:cTn id="22" fill="hold">
                             <p:stCondLst>
-                              <p:cond delay="2000"/>
+                              <p:cond delay="500"/>
                             </p:stCondLst>
                             <p:childTnLst>
                               <p:par>
-                                <p:cTn id="21" presetID="10" presetClass="entr" presetSubtype="0" fill="hold" nodeType="afterEffect">
+                                <p:cTn id="23" presetID="10" presetClass="entr" presetSubtype="0" fill="hold" nodeType="afterEffect">
                                   <p:stCondLst>
                                     <p:cond delay="0"/>
                                   </p:stCondLst>
                                   <p:childTnLst>
                                     <p:set>
                                       <p:cBhvr>
-                                        <p:cTn id="22" dur="1" fill="hold">
+                                        <p:cTn id="24" dur="1" fill="hold">
                                           <p:stCondLst>
                                             <p:cond delay="0"/>
                                           </p:stCondLst>
@@ -7312,7 +7344,7 @@
                                     </p:set>
                                     <p:animEffect transition="in" filter="fade">
                                       <p:cBhvr>
-                                        <p:cTn id="23" dur="500"/>
+                                        <p:cTn id="25" dur="500"/>
                                         <p:tgtEl>
                                           <p:spTgt spid="4"/>
                                         </p:tgtEl>
@@ -7521,13 +7553,13 @@
   <p:clrMapOvr>
     <a:masterClrMapping/>
   </p:clrMapOvr>
-  <mc:AlternateContent xmlns:mc="http://schemas.openxmlformats.org/markup-compatibility/2006">
-    <mc:Choice xmlns:p14="http://schemas.microsoft.com/office/powerpoint/2010/main" Requires="p14">
+  <mc:AlternateContent xmlns:mc="http://schemas.openxmlformats.org/markup-compatibility/2006" xmlns:p14="http://schemas.microsoft.com/office/powerpoint/2010/main">
+    <mc:Choice Requires="p14">
       <p:transition spd="med" p14:dur="700">
         <p:fade/>
       </p:transition>
     </mc:Choice>
-    <mc:Fallback>
+    <mc:Fallback xmlns="">
       <p:transition spd="med">
         <p:fade/>
       </p:transition>
@@ -9090,13 +9122,13 @@
   <p:clrMapOvr>
     <a:masterClrMapping/>
   </p:clrMapOvr>
-  <mc:AlternateContent xmlns:mc="http://schemas.openxmlformats.org/markup-compatibility/2006">
-    <mc:Choice xmlns:p14="http://schemas.microsoft.com/office/powerpoint/2010/main" Requires="p14">
+  <mc:AlternateContent xmlns:mc="http://schemas.openxmlformats.org/markup-compatibility/2006" xmlns:p14="http://schemas.microsoft.com/office/powerpoint/2010/main">
+    <mc:Choice Requires="p14">
       <p:transition spd="med" p14:dur="700">
         <p:fade/>
       </p:transition>
     </mc:Choice>
-    <mc:Fallback>
+    <mc:Fallback xmlns="">
       <p:transition spd="med">
         <p:fade/>
       </p:transition>
@@ -9382,13 +9414,13 @@
   <p:clrMapOvr>
     <a:masterClrMapping/>
   </p:clrMapOvr>
-  <mc:AlternateContent xmlns:mc="http://schemas.openxmlformats.org/markup-compatibility/2006">
-    <mc:Choice xmlns:p14="http://schemas.microsoft.com/office/powerpoint/2010/main" Requires="p14">
+  <mc:AlternateContent xmlns:mc="http://schemas.openxmlformats.org/markup-compatibility/2006" xmlns:p14="http://schemas.microsoft.com/office/powerpoint/2010/main">
+    <mc:Choice Requires="p14">
       <p:transition spd="med" p14:dur="700">
         <p:fade/>
       </p:transition>
     </mc:Choice>
-    <mc:Fallback>
+    <mc:Fallback xmlns="">
       <p:transition spd="med">
         <p:fade/>
       </p:transition>
@@ -9648,11 +9680,11 @@
           <a:p>
             <a:r>
               <a:rPr lang="pl-PL" dirty="0"/>
-              <a:t>Adrian Frydmański, Bogdan </a:t>
+              <a:t>Adrian Frydmański, Bohdan </a:t>
             </a:r>
             <a:r>
               <a:rPr lang="pl-PL" dirty="0" err="1"/>
-              <a:t>Jaminski</a:t>
+              <a:t>yaminskyy</a:t>
             </a:r>
             <a:endParaRPr lang="pl-PL" dirty="0"/>
           </a:p>
@@ -9692,13 +9724,13 @@
   <p:clrMapOvr>
     <a:masterClrMapping/>
   </p:clrMapOvr>
-  <mc:AlternateContent xmlns:mc="http://schemas.openxmlformats.org/markup-compatibility/2006">
-    <mc:Choice xmlns:p14="http://schemas.microsoft.com/office/powerpoint/2010/main" Requires="p14">
+  <mc:AlternateContent xmlns:mc="http://schemas.openxmlformats.org/markup-compatibility/2006" xmlns:p14="http://schemas.microsoft.com/office/powerpoint/2010/main">
+    <mc:Choice Requires="p14">
       <p:transition spd="med" p14:dur="700">
         <p:fade/>
       </p:transition>
     </mc:Choice>
-    <mc:Fallback>
+    <mc:Fallback xmlns="">
       <p:transition spd="med">
         <p:fade/>
       </p:transition>
